--- a/docs/abbildungen/20160321_rtu.pptx
+++ b/docs/abbildungen/20160321_rtu.pptx
@@ -3999,16 +3999,15 @@
           </p:cNvPicPr>
           <p:nvPr/>
         </p:nvPicPr>
-        <p:blipFill>
+        <p:blipFill rotWithShape="1">
           <a:blip r:embed="rId7"/>
-          <a:stretch>
-            <a:fillRect/>
-          </a:stretch>
+          <a:srcRect r="21818"/>
+          <a:stretch/>
         </p:blipFill>
         <p:spPr>
           <a:xfrm>
-            <a:off x="323850" y="622300"/>
-            <a:ext cx="11544300" cy="5613400"/>
+            <a:off x="2852062" y="1026757"/>
+            <a:ext cx="9025614" cy="5613400"/>
           </a:xfrm>
           <a:prstGeom prst="rect">
             <a:avLst/>
